--- a/Mathematical Modelling and Data Science/Coursework/КР_презентация.pptx
+++ b/Mathematical Modelling and Data Science/Coursework/КР_презентация.pptx
@@ -212,7 +212,7 @@
           <a:p>
             <a:fld id="{66F08BED-45E0-4146-9AA3-E286E1EBEF6C}" type="datetimeFigureOut">
               <a:rPr lang="ru-RU" smtClean="0"/>
-              <a:t>16.05.2024</a:t>
+              <a:t>17.05.2024</a:t>
             </a:fld>
             <a:endParaRPr lang="ru-RU"/>
           </a:p>
@@ -661,7 +661,7 @@
           <a:p>
             <a:fld id="{53CB99AE-B1BE-4482-B55A-9912495899F3}" type="datetimeFigureOut">
               <a:rPr lang="ru-RU" smtClean="0"/>
-              <a:t>16.05.2024</a:t>
+              <a:t>17.05.2024</a:t>
             </a:fld>
             <a:endParaRPr lang="ru-RU"/>
           </a:p>
@@ -839,7 +839,7 @@
           <a:p>
             <a:fld id="{53CB99AE-B1BE-4482-B55A-9912495899F3}" type="datetimeFigureOut">
               <a:rPr lang="ru-RU" smtClean="0"/>
-              <a:t>16.05.2024</a:t>
+              <a:t>17.05.2024</a:t>
             </a:fld>
             <a:endParaRPr lang="ru-RU"/>
           </a:p>
@@ -1442,7 +1442,7 @@
           <a:p>
             <a:fld id="{53CB99AE-B1BE-4482-B55A-9912495899F3}" type="datetimeFigureOut">
               <a:rPr lang="ru-RU" smtClean="0"/>
-              <a:t>16.05.2024</a:t>
+              <a:t>17.05.2024</a:t>
             </a:fld>
             <a:endParaRPr lang="ru-RU"/>
           </a:p>
@@ -1671,7 +1671,7 @@
           <a:p>
             <a:fld id="{53CB99AE-B1BE-4482-B55A-9912495899F3}" type="datetimeFigureOut">
               <a:rPr lang="ru-RU" smtClean="0"/>
-              <a:t>16.05.2024</a:t>
+              <a:t>17.05.2024</a:t>
             </a:fld>
             <a:endParaRPr lang="ru-RU"/>
           </a:p>
@@ -2035,7 +2035,7 @@
           <a:p>
             <a:fld id="{53CB99AE-B1BE-4482-B55A-9912495899F3}" type="datetimeFigureOut">
               <a:rPr lang="ru-RU" smtClean="0"/>
-              <a:t>16.05.2024</a:t>
+              <a:t>17.05.2024</a:t>
             </a:fld>
             <a:endParaRPr lang="ru-RU"/>
           </a:p>
@@ -2152,7 +2152,7 @@
           <a:p>
             <a:fld id="{53CB99AE-B1BE-4482-B55A-9912495899F3}" type="datetimeFigureOut">
               <a:rPr lang="ru-RU" smtClean="0"/>
-              <a:t>16.05.2024</a:t>
+              <a:t>17.05.2024</a:t>
             </a:fld>
             <a:endParaRPr lang="ru-RU"/>
           </a:p>
@@ -2247,7 +2247,7 @@
           <a:p>
             <a:fld id="{53CB99AE-B1BE-4482-B55A-9912495899F3}" type="datetimeFigureOut">
               <a:rPr lang="ru-RU" smtClean="0"/>
-              <a:t>16.05.2024</a:t>
+              <a:t>17.05.2024</a:t>
             </a:fld>
             <a:endParaRPr lang="ru-RU"/>
           </a:p>
@@ -2522,7 +2522,7 @@
           <a:p>
             <a:fld id="{53CB99AE-B1BE-4482-B55A-9912495899F3}" type="datetimeFigureOut">
               <a:rPr lang="ru-RU" smtClean="0"/>
-              <a:t>16.05.2024</a:t>
+              <a:t>17.05.2024</a:t>
             </a:fld>
             <a:endParaRPr lang="ru-RU"/>
           </a:p>
@@ -2774,7 +2774,7 @@
           <a:p>
             <a:fld id="{53CB99AE-B1BE-4482-B55A-9912495899F3}" type="datetimeFigureOut">
               <a:rPr lang="ru-RU" smtClean="0"/>
-              <a:t>16.05.2024</a:t>
+              <a:t>17.05.2024</a:t>
             </a:fld>
             <a:endParaRPr lang="ru-RU"/>
           </a:p>
@@ -2985,7 +2985,7 @@
           <a:p>
             <a:fld id="{53CB99AE-B1BE-4482-B55A-9912495899F3}" type="datetimeFigureOut">
               <a:rPr lang="ru-RU" smtClean="0"/>
-              <a:t>16.05.2024</a:t>
+              <a:t>17.05.2024</a:t>
             </a:fld>
             <a:endParaRPr lang="ru-RU"/>
           </a:p>
@@ -3831,7 +3831,7 @@
           <a:p>
             <a:r>
               <a:rPr lang="ru-RU" dirty="0"/>
-              <a:t>Вывод</a:t>
+              <a:t>Заключение</a:t>
             </a:r>
             <a:endParaRPr lang="ru-BY" dirty="0"/>
           </a:p>
@@ -4244,16 +4244,6 @@
             </a:pPr>
             <a:r>
               <a:rPr lang="ru-RU" dirty="0"/>
-              <a:t>Определить понятие стационарных временных рядов</a:t>
-            </a:r>
-          </a:p>
-          <a:p>
-            <a:pPr marL="342900" lvl="0" indent="-342900">
-              <a:buFont typeface="Arial" panose="020B0604020202020204" pitchFamily="34" charset="0"/>
-              <a:buChar char="•"/>
-            </a:pPr>
-            <a:r>
-              <a:rPr lang="ru-RU" dirty="0"/>
               <a:t>Проанализировать выбранный временной ряд</a:t>
             </a:r>
           </a:p>
@@ -4363,7 +4353,7 @@
         </p:nvSpPr>
         <p:spPr>
           <a:xfrm>
-            <a:off x="623887" y="1776039"/>
+            <a:off x="779099" y="1624172"/>
             <a:ext cx="4852216" cy="5039445"/>
           </a:xfrm>
         </p:spPr>
@@ -4376,13 +4366,10 @@
             <a:pPr algn="just"/>
             <a:r>
               <a:rPr lang="ru-RU" dirty="0"/>
-              <a:t>В современном мире большое количество явлений можно представить в виде последовательности наблюдений, измеренных в разные моменты времени и упорядоченных в хронологическом порядке, такие последовательности называются временными рядами. Прогнозирование временных рядов играет важную роль во многих областях, включая финансы, экономику, климатологию, медицину и другие.</a:t>
-            </a:r>
-          </a:p>
-          <a:p>
-            <a:pPr algn="just"/>
-            <a:r>
-              <a:rPr lang="ru-RU" dirty="0"/>
+              <a:t> </a:t>
+            </a:r>
+            <a:r>
+              <a:rPr lang="en-US" dirty="0"/>
               <a:t> </a:t>
             </a:r>
             <a:endParaRPr lang="ru-BY" dirty="0"/>
@@ -4409,8 +4396,8 @@
         </p:blipFill>
         <p:spPr>
           <a:xfrm>
-            <a:off x="5631315" y="1624172"/>
-            <a:ext cx="6248953" cy="3609655"/>
+            <a:off x="1222172" y="1146000"/>
+            <a:ext cx="8818286" cy="5093809"/>
           </a:xfrm>
           <a:prstGeom prst="rect">
             <a:avLst/>
@@ -6678,7 +6665,7 @@
                 <a:pPr algn="just"/>
                 <a:r>
                   <a:rPr lang="ru-RU" dirty="0"/>
-                  <a:t>Для того, чтобы побороть сезонность временного ряда, применяют операцию дифференцирования</a:t>
+                  <a:t>Для того, чтобы побороть сезонность временного ряда, применяют операцию конечной разности</a:t>
                 </a:r>
                 <a:endParaRPr lang="en-US" dirty="0"/>
               </a:p>
@@ -8045,7 +8032,7 @@
             </p:spPr>
             <p:txBody>
               <a:bodyPr>
-                <a:normAutofit lnSpcReduction="10000"/>
+                <a:normAutofit fontScale="85000" lnSpcReduction="10000"/>
               </a:bodyPr>
               <a:lstStyle/>
               <a:p>
@@ -9052,10 +9039,312 @@
                   <a:rPr lang="ru-RU" dirty="0"/>
                   <a:t>Определение априорной модели</a:t>
                 </a:r>
-                <a:r>
-                  <a:rPr lang="en-US" dirty="0"/>
-                  <a:t>;</a:t>
-                </a:r>
+              </a:p>
+              <a:p>
+                <a:pPr algn="ctr"/>
+                <a14:m>
+                  <m:oMathPara xmlns:m="http://schemas.openxmlformats.org/officeDocument/2006/math">
+                    <m:oMathParaPr>
+                      <m:jc m:val="centerGroup"/>
+                    </m:oMathParaPr>
+                    <m:oMath xmlns:m="http://schemas.openxmlformats.org/officeDocument/2006/math">
+                      <m:r>
+                        <a:rPr lang="ru-RU" sz="1800" i="1" smtClean="0">
+                          <a:effectLst/>
+                          <a:latin typeface="Cambria Math" panose="02040503050406030204" pitchFamily="18" charset="0"/>
+                          <a:ea typeface="Times New Roman" panose="02020603050405020304" pitchFamily="18" charset="0"/>
+                          <a:cs typeface="Times New Roman" panose="02020603050405020304" pitchFamily="18" charset="0"/>
+                        </a:rPr>
+                        <m:t>𝑝</m:t>
+                      </m:r>
+                      <m:d>
+                        <m:dPr>
+                          <m:ctrlPr>
+                            <a:rPr lang="ru-BY" sz="1800" i="1">
+                              <a:effectLst/>
+                              <a:latin typeface="Cambria Math" panose="02040503050406030204" pitchFamily="18" charset="0"/>
+                            </a:rPr>
+                          </m:ctrlPr>
+                        </m:dPr>
+                        <m:e>
+                          <m:sSub>
+                            <m:sSubPr>
+                              <m:ctrlPr>
+                                <a:rPr lang="ru-BY" sz="1800" i="1">
+                                  <a:effectLst/>
+                                  <a:latin typeface="Cambria Math" panose="02040503050406030204" pitchFamily="18" charset="0"/>
+                                </a:rPr>
+                              </m:ctrlPr>
+                            </m:sSubPr>
+                            <m:e>
+                              <m:r>
+                                <a:rPr lang="ru-RU" sz="1800" i="1">
+                                  <a:effectLst/>
+                                  <a:latin typeface="Cambria Math" panose="02040503050406030204" pitchFamily="18" charset="0"/>
+                                  <a:ea typeface="Times New Roman" panose="02020603050405020304" pitchFamily="18" charset="0"/>
+                                  <a:cs typeface="Times New Roman" panose="02020603050405020304" pitchFamily="18" charset="0"/>
+                                </a:rPr>
+                                <m:t>𝜃</m:t>
+                              </m:r>
+                            </m:e>
+                            <m:sub>
+                              <m:r>
+                                <a:rPr lang="ru-RU" sz="1800" i="1">
+                                  <a:effectLst/>
+                                  <a:latin typeface="Cambria Math" panose="02040503050406030204" pitchFamily="18" charset="0"/>
+                                  <a:ea typeface="Times New Roman" panose="02020603050405020304" pitchFamily="18" charset="0"/>
+                                  <a:cs typeface="Times New Roman" panose="02020603050405020304" pitchFamily="18" charset="0"/>
+                                </a:rPr>
+                                <m:t>𝑝</m:t>
+                              </m:r>
+                            </m:sub>
+                          </m:sSub>
+                        </m:e>
+                      </m:d>
+                      <m:r>
+                        <a:rPr lang="ru-RU" sz="1800" i="1">
+                          <a:effectLst/>
+                          <a:latin typeface="Cambria Math" panose="02040503050406030204" pitchFamily="18" charset="0"/>
+                          <a:ea typeface="Times New Roman" panose="02020603050405020304" pitchFamily="18" charset="0"/>
+                          <a:cs typeface="Times New Roman" panose="02020603050405020304" pitchFamily="18" charset="0"/>
+                        </a:rPr>
+                        <m:t>=</m:t>
+                      </m:r>
+                      <m:d>
+                        <m:dPr>
+                          <m:begChr m:val="{"/>
+                          <m:endChr m:val=""/>
+                          <m:ctrlPr>
+                            <a:rPr lang="ru-BY" sz="1800" i="1">
+                              <a:effectLst/>
+                              <a:latin typeface="Cambria Math" panose="02040503050406030204" pitchFamily="18" charset="0"/>
+                            </a:rPr>
+                          </m:ctrlPr>
+                        </m:dPr>
+                        <m:e>
+                          <m:eqArr>
+                            <m:eqArrPr>
+                              <m:ctrlPr>
+                                <a:rPr lang="ru-BY" sz="1800" i="1">
+                                  <a:effectLst/>
+                                  <a:latin typeface="Cambria Math" panose="02040503050406030204" pitchFamily="18" charset="0"/>
+                                </a:rPr>
+                              </m:ctrlPr>
+                            </m:eqArrPr>
+                            <m:e>
+                              <m:r>
+                                <a:rPr lang="ru-RU" sz="1800" i="1">
+                                  <a:effectLst/>
+                                  <a:latin typeface="Cambria Math" panose="02040503050406030204" pitchFamily="18" charset="0"/>
+                                  <a:ea typeface="Times New Roman" panose="02020603050405020304" pitchFamily="18" charset="0"/>
+                                  <a:cs typeface="Times New Roman" panose="02020603050405020304" pitchFamily="18" charset="0"/>
+                                </a:rPr>
+                                <m:t>0</m:t>
+                              </m:r>
+                              <m:r>
+                                <a:rPr lang="en-US" sz="1800" i="1">
+                                  <a:effectLst/>
+                                  <a:latin typeface="Cambria Math" panose="02040503050406030204" pitchFamily="18" charset="0"/>
+                                  <a:ea typeface="Times New Roman" panose="02020603050405020304" pitchFamily="18" charset="0"/>
+                                  <a:cs typeface="Times New Roman" panose="02020603050405020304" pitchFamily="18" charset="0"/>
+                                </a:rPr>
+                                <m:t>,</m:t>
+                              </m:r>
+                              <m:r>
+                                <a:rPr lang="en-US" sz="1800" i="1">
+                                  <a:effectLst/>
+                                  <a:latin typeface="Cambria Math" panose="02040503050406030204" pitchFamily="18" charset="0"/>
+                                  <a:ea typeface="Times New Roman" panose="02020603050405020304" pitchFamily="18" charset="0"/>
+                                  <a:cs typeface="Times New Roman" panose="02020603050405020304" pitchFamily="18" charset="0"/>
+                                </a:rPr>
+                                <m:t>𝑥</m:t>
+                              </m:r>
+                              <m:r>
+                                <a:rPr lang="en-US" sz="1800">
+                                  <a:effectLst/>
+                                  <a:latin typeface="Cambria Math" panose="02040503050406030204" pitchFamily="18" charset="0"/>
+                                  <a:ea typeface="Times New Roman" panose="02020603050405020304" pitchFamily="18" charset="0"/>
+                                  <a:cs typeface="Times New Roman" panose="02020603050405020304" pitchFamily="18" charset="0"/>
+                                </a:rPr>
+                                <m:t>∉</m:t>
+                              </m:r>
+                              <m:d>
+                                <m:dPr>
+                                  <m:begChr m:val="["/>
+                                  <m:endChr m:val="]"/>
+                                  <m:ctrlPr>
+                                    <a:rPr lang="ru-BY" sz="1800" i="1">
+                                      <a:effectLst/>
+                                      <a:latin typeface="Cambria Math" panose="02040503050406030204" pitchFamily="18" charset="0"/>
+                                    </a:rPr>
+                                  </m:ctrlPr>
+                                </m:dPr>
+                                <m:e>
+                                  <m:r>
+                                    <a:rPr lang="en-US" sz="1800" i="1">
+                                      <a:effectLst/>
+                                      <a:latin typeface="Cambria Math" panose="02040503050406030204" pitchFamily="18" charset="0"/>
+                                      <a:ea typeface="Times New Roman" panose="02020603050405020304" pitchFamily="18" charset="0"/>
+                                      <a:cs typeface="Times New Roman" panose="02020603050405020304" pitchFamily="18" charset="0"/>
+                                    </a:rPr>
+                                    <m:t>𝑎</m:t>
+                                  </m:r>
+                                  <m:r>
+                                    <a:rPr lang="en-US" sz="1800" i="1">
+                                      <a:effectLst/>
+                                      <a:latin typeface="Cambria Math" panose="02040503050406030204" pitchFamily="18" charset="0"/>
+                                      <a:ea typeface="Times New Roman" panose="02020603050405020304" pitchFamily="18" charset="0"/>
+                                      <a:cs typeface="Times New Roman" panose="02020603050405020304" pitchFamily="18" charset="0"/>
+                                    </a:rPr>
+                                    <m:t>,</m:t>
+                                  </m:r>
+                                  <m:r>
+                                    <a:rPr lang="en-US" sz="1800" i="1">
+                                      <a:effectLst/>
+                                      <a:latin typeface="Cambria Math" panose="02040503050406030204" pitchFamily="18" charset="0"/>
+                                      <a:ea typeface="Times New Roman" panose="02020603050405020304" pitchFamily="18" charset="0"/>
+                                      <a:cs typeface="Times New Roman" panose="02020603050405020304" pitchFamily="18" charset="0"/>
+                                    </a:rPr>
+                                    <m:t>𝑏</m:t>
+                                  </m:r>
+                                </m:e>
+                              </m:d>
+                            </m:e>
+                            <m:e>
+                              <m:f>
+                                <m:fPr>
+                                  <m:ctrlPr>
+                                    <a:rPr lang="ru-BY" sz="1800" i="1">
+                                      <a:effectLst/>
+                                      <a:latin typeface="Cambria Math" panose="02040503050406030204" pitchFamily="18" charset="0"/>
+                                    </a:rPr>
+                                  </m:ctrlPr>
+                                </m:fPr>
+                                <m:num>
+                                  <m:r>
+                                    <a:rPr lang="ru-RU" sz="1800" i="1">
+                                      <a:effectLst/>
+                                      <a:latin typeface="Cambria Math" panose="02040503050406030204" pitchFamily="18" charset="0"/>
+                                      <a:ea typeface="Times New Roman" panose="02020603050405020304" pitchFamily="18" charset="0"/>
+                                      <a:cs typeface="Times New Roman" panose="02020603050405020304" pitchFamily="18" charset="0"/>
+                                    </a:rPr>
+                                    <m:t>1</m:t>
+                                  </m:r>
+                                </m:num>
+                                <m:den>
+                                  <m:r>
+                                    <a:rPr lang="ru-RU" sz="1800" i="1">
+                                      <a:effectLst/>
+                                      <a:latin typeface="Cambria Math" panose="02040503050406030204" pitchFamily="18" charset="0"/>
+                                      <a:ea typeface="Times New Roman" panose="02020603050405020304" pitchFamily="18" charset="0"/>
+                                      <a:cs typeface="Times New Roman" panose="02020603050405020304" pitchFamily="18" charset="0"/>
+                                    </a:rPr>
+                                    <m:t>𝑏</m:t>
+                                  </m:r>
+                                  <m:r>
+                                    <a:rPr lang="ru-RU" sz="1800" i="1">
+                                      <a:effectLst/>
+                                      <a:latin typeface="Cambria Math" panose="02040503050406030204" pitchFamily="18" charset="0"/>
+                                      <a:ea typeface="Times New Roman" panose="02020603050405020304" pitchFamily="18" charset="0"/>
+                                      <a:cs typeface="Times New Roman" panose="02020603050405020304" pitchFamily="18" charset="0"/>
+                                    </a:rPr>
+                                    <m:t>−</m:t>
+                                  </m:r>
+                                  <m:r>
+                                    <a:rPr lang="ru-RU" sz="1800" i="1">
+                                      <a:effectLst/>
+                                      <a:latin typeface="Cambria Math" panose="02040503050406030204" pitchFamily="18" charset="0"/>
+                                      <a:ea typeface="Times New Roman" panose="02020603050405020304" pitchFamily="18" charset="0"/>
+                                      <a:cs typeface="Times New Roman" panose="02020603050405020304" pitchFamily="18" charset="0"/>
+                                    </a:rPr>
+                                    <m:t>𝑎</m:t>
+                                  </m:r>
+                                </m:den>
+                              </m:f>
+                              <m:r>
+                                <a:rPr lang="ru-RU" sz="1800" i="1">
+                                  <a:effectLst/>
+                                  <a:latin typeface="Cambria Math" panose="02040503050406030204" pitchFamily="18" charset="0"/>
+                                  <a:ea typeface="Times New Roman" panose="02020603050405020304" pitchFamily="18" charset="0"/>
+                                  <a:cs typeface="Times New Roman" panose="02020603050405020304" pitchFamily="18" charset="0"/>
+                                </a:rPr>
+                                <m:t>,</m:t>
+                              </m:r>
+                              <m:r>
+                                <a:rPr lang="ru-RU" sz="1800" i="1">
+                                  <a:effectLst/>
+                                  <a:latin typeface="Cambria Math" panose="02040503050406030204" pitchFamily="18" charset="0"/>
+                                  <a:ea typeface="Times New Roman" panose="02020603050405020304" pitchFamily="18" charset="0"/>
+                                  <a:cs typeface="Times New Roman" panose="02020603050405020304" pitchFamily="18" charset="0"/>
+                                </a:rPr>
+                                <m:t>𝑥</m:t>
+                              </m:r>
+                              <m:r>
+                                <a:rPr lang="ru-RU" sz="1800">
+                                  <a:effectLst/>
+                                  <a:latin typeface="Cambria Math" panose="02040503050406030204" pitchFamily="18" charset="0"/>
+                                  <a:ea typeface="Times New Roman" panose="02020603050405020304" pitchFamily="18" charset="0"/>
+                                  <a:cs typeface="Times New Roman" panose="02020603050405020304" pitchFamily="18" charset="0"/>
+                                </a:rPr>
+                                <m:t>∈</m:t>
+                              </m:r>
+                              <m:d>
+                                <m:dPr>
+                                  <m:begChr m:val="["/>
+                                  <m:endChr m:val="]"/>
+                                  <m:ctrlPr>
+                                    <a:rPr lang="ru-BY" sz="1800" i="1">
+                                      <a:effectLst/>
+                                      <a:latin typeface="Cambria Math" panose="02040503050406030204" pitchFamily="18" charset="0"/>
+                                    </a:rPr>
+                                  </m:ctrlPr>
+                                </m:dPr>
+                                <m:e>
+                                  <m:r>
+                                    <a:rPr lang="ru-RU" sz="1800" i="1">
+                                      <a:effectLst/>
+                                      <a:latin typeface="Cambria Math" panose="02040503050406030204" pitchFamily="18" charset="0"/>
+                                      <a:ea typeface="Times New Roman" panose="02020603050405020304" pitchFamily="18" charset="0"/>
+                                      <a:cs typeface="Times New Roman" panose="02020603050405020304" pitchFamily="18" charset="0"/>
+                                    </a:rPr>
+                                    <m:t>𝑎</m:t>
+                                  </m:r>
+                                  <m:r>
+                                    <a:rPr lang="ru-RU" sz="1800" i="1">
+                                      <a:effectLst/>
+                                      <a:latin typeface="Cambria Math" panose="02040503050406030204" pitchFamily="18" charset="0"/>
+                                      <a:ea typeface="Times New Roman" panose="02020603050405020304" pitchFamily="18" charset="0"/>
+                                      <a:cs typeface="Times New Roman" panose="02020603050405020304" pitchFamily="18" charset="0"/>
+                                    </a:rPr>
+                                    <m:t>,</m:t>
+                                  </m:r>
+                                  <m:r>
+                                    <a:rPr lang="ru-RU" sz="1800" i="1">
+                                      <a:effectLst/>
+                                      <a:latin typeface="Cambria Math" panose="02040503050406030204" pitchFamily="18" charset="0"/>
+                                      <a:ea typeface="Times New Roman" panose="02020603050405020304" pitchFamily="18" charset="0"/>
+                                      <a:cs typeface="Times New Roman" panose="02020603050405020304" pitchFamily="18" charset="0"/>
+                                    </a:rPr>
+                                    <m:t>𝑏</m:t>
+                                  </m:r>
+                                </m:e>
+                              </m:d>
+                            </m:e>
+                          </m:eqArr>
+                          <m:r>
+                            <a:rPr lang="ru-RU" sz="1800" b="0" i="1" smtClean="0">
+                              <a:effectLst/>
+                              <a:latin typeface="Cambria Math" panose="02040503050406030204" pitchFamily="18" charset="0"/>
+                              <a:ea typeface="Times New Roman" panose="02020603050405020304" pitchFamily="18" charset="0"/>
+                              <a:cs typeface="Times New Roman" panose="02020603050405020304" pitchFamily="18" charset="0"/>
+                            </a:rPr>
+                            <m:t>;      (7)</m:t>
+                          </m:r>
+                        </m:e>
+                      </m:d>
+                    </m:oMath>
+                  </m:oMathPara>
+                </a14:m>
                 <a:endParaRPr lang="ru-RU" dirty="0"/>
               </a:p>
               <a:p>
@@ -9349,7 +9638,25 @@
                           <a:ea typeface="Times New Roman" panose="02020603050405020304" pitchFamily="18" charset="0"/>
                           <a:cs typeface="Times New Roman" panose="02020603050405020304" pitchFamily="18" charset="0"/>
                         </a:rPr>
-                        <m:t>;           (7)</m:t>
+                        <m:t>;           (</m:t>
+                      </m:r>
+                      <m:r>
+                        <a:rPr lang="ru-RU" sz="1800" b="0" i="1" smtClean="0">
+                          <a:effectLst/>
+                          <a:latin typeface="Cambria Math" panose="02040503050406030204" pitchFamily="18" charset="0"/>
+                          <a:ea typeface="Times New Roman" panose="02020603050405020304" pitchFamily="18" charset="0"/>
+                          <a:cs typeface="Times New Roman" panose="02020603050405020304" pitchFamily="18" charset="0"/>
+                        </a:rPr>
+                        <m:t>8</m:t>
+                      </m:r>
+                      <m:r>
+                        <a:rPr lang="en-US" sz="1800" b="0" i="1" smtClean="0">
+                          <a:effectLst/>
+                          <a:latin typeface="Cambria Math" panose="02040503050406030204" pitchFamily="18" charset="0"/>
+                          <a:ea typeface="Times New Roman" panose="02020603050405020304" pitchFamily="18" charset="0"/>
+                          <a:cs typeface="Times New Roman" panose="02020603050405020304" pitchFamily="18" charset="0"/>
+                        </a:rPr>
+                        <m:t>)</m:t>
                       </m:r>
                     </m:oMath>
                   </m:oMathPara>
@@ -9534,7 +9841,15 @@
                 </a14:m>
                 <a:r>
                   <a:rPr lang="en-US" dirty="0"/>
-                  <a:t>;           (8)</a:t>
+                  <a:t>;           (</a:t>
+                </a:r>
+                <a:r>
+                  <a:rPr lang="ru-RU" dirty="0"/>
+                  <a:t>9</a:t>
+                </a:r>
+                <a:r>
+                  <a:rPr lang="en-US" dirty="0"/>
+                  <a:t>)</a:t>
                 </a:r>
               </a:p>
               <a:p>
@@ -9576,7 +9891,7 @@
               <a:blipFill>
                 <a:blip r:embed="rId2"/>
                 <a:stretch>
-                  <a:fillRect l="-564" t="-1746"/>
+                  <a:fillRect l="-359" t="-1397"/>
                 </a:stretch>
               </a:blipFill>
             </p:spPr>
